--- a/Presentation.pptx
+++ b/Presentation.pptx
@@ -3302,7 +3302,51 @@
                 <a:cs typeface="Arial"/>
                 <a:sym typeface="Arial"/>
               </a:rPr>
-              <a:t>Both encoding and decoding demonstrated strong performance, with throughput metrics remaining consistently high. The confidence intervals and standard deviation values confirm that the results are statistically significant and reliable under the test conditions. </a:t>
+              <a:t>Both encoding and decoding demonstrated strong performance, with throughput metrics remaining consistently high. </a:t>
+            </a:r>
+            <a:endParaRPr lang="en-US" sz="1100" b="0" i="0" u="none" strike="noStrike" cap="none" baseline="0" dirty="0" smtClean="0">
+              <a:solidFill>
+                <a:srgbClr val="000000"/>
+              </a:solidFill>
+              <a:latin typeface="Arial"/>
+              <a:ea typeface="Arial"/>
+              <a:cs typeface="Arial"/>
+              <a:sym typeface="Arial"/>
+            </a:endParaRPr>
+          </a:p>
+          <a:p>
+            <a:pPr marL="0" lvl="0" indent="0" algn="l" rtl="0">
+              <a:spcBef>
+                <a:spcPts val="0"/>
+              </a:spcBef>
+              <a:spcAft>
+                <a:spcPts val="0"/>
+              </a:spcAft>
+              <a:buNone/>
+            </a:pPr>
+            <a:r>
+              <a:rPr lang="en-US" sz="1100" b="0" i="0" u="none" strike="noStrike" cap="none" baseline="0" dirty="0" smtClean="0">
+                <a:solidFill>
+                  <a:srgbClr val="000000"/>
+                </a:solidFill>
+                <a:latin typeface="Arial"/>
+                <a:ea typeface="Arial"/>
+                <a:cs typeface="Arial"/>
+                <a:sym typeface="Arial"/>
+              </a:rPr>
+              <a:t>The standard </a:t>
+            </a:r>
+            <a:r>
+              <a:rPr lang="en-US" sz="1100" b="0" i="0" u="none" strike="noStrike" cap="none" baseline="0" dirty="0" smtClean="0">
+                <a:solidFill>
+                  <a:srgbClr val="000000"/>
+                </a:solidFill>
+                <a:latin typeface="Arial"/>
+                <a:ea typeface="Arial"/>
+                <a:cs typeface="Arial"/>
+                <a:sym typeface="Arial"/>
+              </a:rPr>
+              <a:t>deviation values confirm that the results are statistically significant and reliable under the test conditions. </a:t>
             </a:r>
             <a:endParaRPr dirty="0"/>
           </a:p>
@@ -54365,7 +54409,7 @@
             </a:r>
             <a:r>
               <a:rPr lang="en-US" dirty="0" smtClean="0"/>
-              <a:t>JHM</a:t>
+              <a:t>JMH</a:t>
             </a:r>
             <a:endParaRPr dirty="0"/>
           </a:p>
@@ -54380,7 +54424,7 @@
         <p:spPr>
           <a:xfrm>
             <a:off x="720000" y="1302660"/>
-            <a:ext cx="7704000" cy="1384995"/>
+            <a:ext cx="7704000" cy="1015663"/>
           </a:xfrm>
           <a:prstGeom prst="rect">
             <a:avLst/>
@@ -54397,27 +54441,27 @@
               <a:buAutoNum type="arabicPeriod"/>
             </a:pPr>
             <a:r>
-              <a:rPr lang="en-US" sz="1200" dirty="0">
+              <a:rPr lang="en-US" sz="1000" dirty="0">
                 <a:latin typeface="Poppins" panose="020B0604020202020204" charset="0"/>
                 <a:cs typeface="Poppins" panose="020B0604020202020204" charset="0"/>
               </a:rPr>
               <a:t>The performance of Base32 encoding and decoding was benchmarked using the Java </a:t>
             </a:r>
             <a:r>
-              <a:rPr lang="en-US" sz="1200" dirty="0" err="1">
+              <a:rPr lang="en-US" sz="1000" dirty="0" err="1">
                 <a:latin typeface="Poppins" panose="020B0604020202020204" charset="0"/>
                 <a:cs typeface="Poppins" panose="020B0604020202020204" charset="0"/>
               </a:rPr>
               <a:t>Microbenchmark</a:t>
             </a:r>
             <a:r>
-              <a:rPr lang="en-US" sz="1200" dirty="0">
+              <a:rPr lang="en-US" sz="1000" dirty="0">
                 <a:latin typeface="Poppins" panose="020B0604020202020204" charset="0"/>
                 <a:cs typeface="Poppins" panose="020B0604020202020204" charset="0"/>
               </a:rPr>
               <a:t> Harness (JMH). </a:t>
             </a:r>
-            <a:endParaRPr lang="en-US" sz="1200" dirty="0" smtClean="0">
+            <a:endParaRPr lang="en-US" sz="1000" dirty="0" smtClean="0">
               <a:latin typeface="Poppins" panose="020B0604020202020204" charset="0"/>
               <a:cs typeface="Poppins" panose="020B0604020202020204" charset="0"/>
             </a:endParaRPr>
@@ -54428,21 +54472,21 @@
               <a:buAutoNum type="arabicPeriod"/>
             </a:pPr>
             <a:r>
-              <a:rPr lang="en-US" sz="1200" dirty="0" smtClean="0">
+              <a:rPr lang="en-US" sz="1000" dirty="0" smtClean="0">
                 <a:latin typeface="Poppins" panose="020B0604020202020204" charset="0"/>
                 <a:cs typeface="Poppins" panose="020B0604020202020204" charset="0"/>
               </a:rPr>
               <a:t>I </a:t>
             </a:r>
             <a:r>
-              <a:rPr lang="en-US" sz="1200" dirty="0">
+              <a:rPr lang="en-US" sz="1000" dirty="0">
                 <a:latin typeface="Poppins" panose="020B0604020202020204" charset="0"/>
                 <a:cs typeface="Poppins" panose="020B0604020202020204" charset="0"/>
               </a:rPr>
               <a:t>integrated JMH dependencies into the project using </a:t>
             </a:r>
             <a:r>
-              <a:rPr lang="en-US" sz="1200" dirty="0" smtClean="0">
+              <a:rPr lang="en-US" sz="1000" dirty="0" smtClean="0">
                 <a:latin typeface="Poppins" panose="020B0604020202020204" charset="0"/>
                 <a:cs typeface="Poppins" panose="020B0604020202020204" charset="0"/>
               </a:rPr>
@@ -54455,48 +54499,48 @@
               <a:buAutoNum type="arabicPeriod"/>
             </a:pPr>
             <a:r>
-              <a:rPr lang="en-US" sz="1200" dirty="0">
+              <a:rPr lang="en-US" sz="1000" dirty="0">
                 <a:latin typeface="Poppins" panose="020B0604020202020204" charset="0"/>
                 <a:cs typeface="Poppins" panose="020B0604020202020204" charset="0"/>
               </a:rPr>
               <a:t>I</a:t>
             </a:r>
             <a:r>
-              <a:rPr lang="en-US" sz="1200" dirty="0" smtClean="0">
+              <a:rPr lang="en-US" sz="1000" dirty="0" smtClean="0">
                 <a:latin typeface="Poppins" panose="020B0604020202020204" charset="0"/>
                 <a:cs typeface="Poppins" panose="020B0604020202020204" charset="0"/>
               </a:rPr>
               <a:t> created </a:t>
             </a:r>
             <a:r>
-              <a:rPr lang="en-US" sz="1200" dirty="0">
+              <a:rPr lang="en-US" sz="1000" dirty="0">
                 <a:latin typeface="Poppins" panose="020B0604020202020204" charset="0"/>
                 <a:cs typeface="Poppins" panose="020B0604020202020204" charset="0"/>
               </a:rPr>
               <a:t>a </a:t>
             </a:r>
             <a:r>
-              <a:rPr lang="en-US" sz="1200" i="1" dirty="0" err="1">
+              <a:rPr lang="en-US" sz="1000" i="1" dirty="0" err="1">
                 <a:latin typeface="Poppins" panose="020B0604020202020204" charset="0"/>
                 <a:cs typeface="Poppins" panose="020B0604020202020204" charset="0"/>
               </a:rPr>
               <a:t>TextEncodingBenchmark</a:t>
             </a:r>
             <a:r>
-              <a:rPr lang="en-US" sz="1200" i="1" dirty="0">
+              <a:rPr lang="en-US" sz="1000" i="1" dirty="0">
                 <a:latin typeface="Poppins" panose="020B0604020202020204" charset="0"/>
                 <a:cs typeface="Poppins" panose="020B0604020202020204" charset="0"/>
               </a:rPr>
               <a:t> </a:t>
             </a:r>
             <a:r>
-              <a:rPr lang="en-US" sz="1200" dirty="0">
+              <a:rPr lang="en-US" sz="1000" dirty="0">
                 <a:latin typeface="Poppins" panose="020B0604020202020204" charset="0"/>
                 <a:cs typeface="Poppins" panose="020B0604020202020204" charset="0"/>
               </a:rPr>
               <a:t>class with methods for Base32 encoding and decoding benchmarks. </a:t>
             </a:r>
-            <a:endParaRPr lang="en-US" sz="1200" dirty="0" smtClean="0">
+            <a:endParaRPr lang="en-US" sz="1000" dirty="0" smtClean="0">
               <a:latin typeface="Poppins" panose="020B0604020202020204" charset="0"/>
               <a:cs typeface="Poppins" panose="020B0604020202020204" charset="0"/>
             </a:endParaRPr>
@@ -54507,14 +54551,14 @@
               <a:buAutoNum type="arabicPeriod"/>
             </a:pPr>
             <a:r>
-              <a:rPr lang="en-US" sz="1200" dirty="0" smtClean="0">
+              <a:rPr lang="en-US" sz="1000" dirty="0" smtClean="0">
                 <a:latin typeface="Poppins" panose="020B0604020202020204" charset="0"/>
                 <a:cs typeface="Poppins" panose="020B0604020202020204" charset="0"/>
               </a:rPr>
               <a:t>The </a:t>
             </a:r>
             <a:r>
-              <a:rPr lang="en-US" sz="1200" dirty="0">
+              <a:rPr lang="en-US" sz="1000" dirty="0">
                 <a:latin typeface="Poppins" panose="020B0604020202020204" charset="0"/>
                 <a:cs typeface="Poppins" panose="020B0604020202020204" charset="0"/>
               </a:rPr>
@@ -54523,47 +54567,33 @@
           </a:p>
         </p:txBody>
       </p:sp>
-      <p:sp>
-        <p:nvSpPr>
-          <p:cNvPr id="13" name="Google Shape;1734;p43"/>
-          <p:cNvSpPr txBox="1">
-            <a:spLocks noGrp="1"/>
-          </p:cNvSpPr>
-          <p:nvPr>
-            <p:ph type="subTitle" idx="4294967295"/>
-          </p:nvPr>
-        </p:nvSpPr>
+      <p:pic>
+        <p:nvPicPr>
+          <p:cNvPr id="5" name="Picture 4"/>
+          <p:cNvPicPr>
+            <a:picLocks noChangeAspect="1"/>
+          </p:cNvPicPr>
+          <p:nvPr/>
+        </p:nvPicPr>
+        <p:blipFill>
+          <a:blip r:embed="rId3"/>
+          <a:stretch>
+            <a:fillRect/>
+          </a:stretch>
+        </p:blipFill>
         <p:spPr>
           <a:xfrm>
-            <a:off x="5017674" y="2855465"/>
-            <a:ext cx="2321576" cy="405600"/>
+            <a:off x="825909" y="2273865"/>
+            <a:ext cx="4784654" cy="2799580"/>
           </a:xfrm>
           <a:prstGeom prst="rect">
             <a:avLst/>
           </a:prstGeom>
         </p:spPr>
-        <p:txBody>
-          <a:bodyPr spcFirstLastPara="1" wrap="square" lIns="91425" tIns="91425" rIns="91425" bIns="91425" anchor="b" anchorCtr="0">
-            <a:noAutofit/>
-          </a:bodyPr>
-          <a:lstStyle/>
-          <a:p>
-            <a:pPr lvl="0"/>
-            <a:r>
-              <a:rPr lang="en-US" dirty="0"/>
-              <a:t>Base32 </a:t>
-            </a:r>
-            <a:r>
-              <a:rPr lang="en-US" dirty="0" smtClean="0"/>
-              <a:t>Decoding </a:t>
-            </a:r>
-            <a:endParaRPr dirty="0"/>
-          </a:p>
-        </p:txBody>
-      </p:sp>
+      </p:pic>
       <p:sp>
         <p:nvSpPr>
-          <p:cNvPr id="14" name="Google Shape;1738;p43"/>
+          <p:cNvPr id="17" name="Google Shape;1738;p43"/>
           <p:cNvSpPr txBox="1">
             <a:spLocks noGrp="1"/>
           </p:cNvSpPr>
@@ -54573,8 +54603,8 @@
         </p:nvSpPr>
         <p:spPr>
           <a:xfrm>
-            <a:off x="890349" y="3155774"/>
-            <a:ext cx="3750807" cy="1362438"/>
+            <a:off x="5527696" y="2603258"/>
+            <a:ext cx="3197450" cy="1260819"/>
           </a:xfrm>
           <a:prstGeom prst="rect">
             <a:avLst/>
@@ -54637,7 +54667,83 @@
       </p:sp>
       <p:sp>
         <p:nvSpPr>
-          <p:cNvPr id="15" name="Google Shape;1739;p43"/>
+          <p:cNvPr id="18" name="Google Shape;1740;p43"/>
+          <p:cNvSpPr txBox="1">
+            <a:spLocks noGrp="1"/>
+          </p:cNvSpPr>
+          <p:nvPr>
+            <p:ph type="subTitle" idx="4294967295"/>
+          </p:nvPr>
+        </p:nvSpPr>
+        <p:spPr>
+          <a:xfrm>
+            <a:off x="5527696" y="2273865"/>
+            <a:ext cx="1901356" cy="375348"/>
+          </a:xfrm>
+          <a:prstGeom prst="rect">
+            <a:avLst/>
+          </a:prstGeom>
+        </p:spPr>
+        <p:txBody>
+          <a:bodyPr spcFirstLastPara="1" wrap="square" lIns="91425" tIns="91425" rIns="91425" bIns="91425" anchor="b" anchorCtr="0">
+            <a:noAutofit/>
+          </a:bodyPr>
+          <a:lstStyle/>
+          <a:p>
+            <a:pPr marL="139700" lvl="0" indent="0">
+              <a:buNone/>
+            </a:pPr>
+            <a:r>
+              <a:rPr lang="en-US" b="1" dirty="0"/>
+              <a:t>Base32 Encoding </a:t>
+            </a:r>
+            <a:endParaRPr b="1" dirty="0"/>
+          </a:p>
+        </p:txBody>
+      </p:sp>
+      <p:sp>
+        <p:nvSpPr>
+          <p:cNvPr id="19" name="Google Shape;1734;p43"/>
+          <p:cNvSpPr txBox="1">
+            <a:spLocks noGrp="1"/>
+          </p:cNvSpPr>
+          <p:nvPr>
+            <p:ph type="subTitle" idx="4294967295"/>
+          </p:nvPr>
+        </p:nvSpPr>
+        <p:spPr>
+          <a:xfrm>
+            <a:off x="5509998" y="3534685"/>
+            <a:ext cx="2082997" cy="321043"/>
+          </a:xfrm>
+          <a:prstGeom prst="rect">
+            <a:avLst/>
+          </a:prstGeom>
+        </p:spPr>
+        <p:txBody>
+          <a:bodyPr spcFirstLastPara="1" wrap="square" lIns="91425" tIns="91425" rIns="91425" bIns="91425" anchor="b" anchorCtr="0">
+            <a:noAutofit/>
+          </a:bodyPr>
+          <a:lstStyle/>
+          <a:p>
+            <a:pPr marL="139700" lvl="0" indent="0">
+              <a:buNone/>
+            </a:pPr>
+            <a:r>
+              <a:rPr lang="en-US" b="1" dirty="0"/>
+              <a:t>Base32 </a:t>
+            </a:r>
+            <a:r>
+              <a:rPr lang="en-US" b="1" dirty="0" smtClean="0"/>
+              <a:t>Decoding </a:t>
+            </a:r>
+            <a:endParaRPr b="1" dirty="0"/>
+          </a:p>
+        </p:txBody>
+      </p:sp>
+      <p:sp>
+        <p:nvSpPr>
+          <p:cNvPr id="20" name="Google Shape;1739;p43"/>
           <p:cNvSpPr txBox="1">
             <a:spLocks noGrp="1"/>
           </p:cNvSpPr>
@@ -54647,8 +54753,8 @@
         </p:nvSpPr>
         <p:spPr>
           <a:xfrm>
-            <a:off x="5017674" y="3184857"/>
-            <a:ext cx="3665284" cy="1218095"/>
+            <a:off x="5509998" y="3864077"/>
+            <a:ext cx="3288618" cy="964155"/>
           </a:xfrm>
           <a:prstGeom prst="rect">
             <a:avLst/>
@@ -54742,40 +54848,6 @@
               <a:latin typeface="Poppins" panose="020B0604020202020204" charset="0"/>
               <a:cs typeface="Poppins" panose="020B0604020202020204" charset="0"/>
             </a:endParaRPr>
-          </a:p>
-        </p:txBody>
-      </p:sp>
-      <p:sp>
-        <p:nvSpPr>
-          <p:cNvPr id="16" name="Google Shape;1740;p43"/>
-          <p:cNvSpPr txBox="1">
-            <a:spLocks noGrp="1"/>
-          </p:cNvSpPr>
-          <p:nvPr>
-            <p:ph type="subTitle" idx="4294967295"/>
-          </p:nvPr>
-        </p:nvSpPr>
-        <p:spPr>
-          <a:xfrm>
-            <a:off x="890350" y="2826381"/>
-            <a:ext cx="2102100" cy="405600"/>
-          </a:xfrm>
-          <a:prstGeom prst="rect">
-            <a:avLst/>
-          </a:prstGeom>
-        </p:spPr>
-        <p:txBody>
-          <a:bodyPr spcFirstLastPara="1" wrap="square" lIns="91425" tIns="91425" rIns="91425" bIns="91425" anchor="b" anchorCtr="0">
-            <a:noAutofit/>
-          </a:bodyPr>
-          <a:lstStyle/>
-          <a:p>
-            <a:pPr lvl="0"/>
-            <a:r>
-              <a:rPr lang="en-US" dirty="0"/>
-              <a:t>Base32 Encoding </a:t>
-            </a:r>
-            <a:endParaRPr dirty="0"/>
           </a:p>
         </p:txBody>
       </p:sp>
